--- a/Doc/PROGETTO DI TIROCINIO.pptx
+++ b/Doc/PROGETTO DI TIROCINIO.pptx
@@ -6062,10 +6062,10 @@
       </p:sp>
       <p:pic>
         <p:nvPicPr>
-          <p:cNvPr id="13" name="Immagine 12">
-            <a:extLst>
-              <a:ext uri="{FF2B5EF4-FFF2-40B4-BE49-F238E27FC236}">
-                <a16:creationId xmlns:a16="http://schemas.microsoft.com/office/drawing/2014/main" id="{A1331C96-150C-DAB5-42BB-04E348946A0F}"/>
+          <p:cNvPr id="3" name="Immagine 2" descr="Immagine che contiene testo, Carattere, numero, schermata&#10;&#10;Il contenuto generato dall'IA potrebbe non essere corretto.">
+            <a:extLst>
+              <a:ext uri="{FF2B5EF4-FFF2-40B4-BE49-F238E27FC236}">
+                <a16:creationId xmlns:a16="http://schemas.microsoft.com/office/drawing/2014/main" id="{E2EEAC9F-7D4D-84F7-18B7-B72885B8B3F7}"/>
               </a:ext>
             </a:extLst>
           </p:cNvPr>
@@ -6075,15 +6075,21 @@
           <p:nvPr/>
         </p:nvPicPr>
         <p:blipFill>
-          <a:blip r:embed="rId3"/>
+          <a:blip r:embed="rId3">
+            <a:extLst>
+              <a:ext uri="{28A0092B-C50C-407E-A947-70E740481C1C}">
+                <a14:useLocalDpi xmlns:a14="http://schemas.microsoft.com/office/drawing/2010/main" val="0"/>
+              </a:ext>
+            </a:extLst>
+          </a:blip>
           <a:stretch>
             <a:fillRect/>
           </a:stretch>
         </p:blipFill>
         <p:spPr>
           <a:xfrm>
-            <a:off x="287694" y="4333876"/>
-            <a:ext cx="8216226" cy="2371786"/>
+            <a:off x="287694" y="4363355"/>
+            <a:ext cx="8324929" cy="2256829"/>
           </a:xfrm>
           <a:prstGeom prst="rect">
             <a:avLst/>

--- a/Doc/PROGETTO DI TIROCINIO.pptx
+++ b/Doc/PROGETTO DI TIROCINIO.pptx
@@ -219,7 +219,7 @@
           <a:p>
             <a:fld id="{D2682749-B794-4902-87D9-2890590CBE67}" type="datetimeFigureOut">
               <a:rPr lang="it-IT" smtClean="0"/>
-              <a:t>14/07/2025</a:t>
+              <a:t>15/07/2025</a:t>
             </a:fld>
             <a:endParaRPr lang="it-IT"/>
           </a:p>
@@ -717,7 +717,7 @@
           <a:p>
             <a:fld id="{38B57E2E-EEDB-4DFF-9027-611226EB0CE7}" type="datetimeFigureOut">
               <a:rPr lang="it-IT" smtClean="0"/>
-              <a:t>14/07/2025</a:t>
+              <a:t>15/07/2025</a:t>
             </a:fld>
             <a:endParaRPr lang="it-IT"/>
           </a:p>
@@ -915,7 +915,7 @@
           <a:p>
             <a:fld id="{38B57E2E-EEDB-4DFF-9027-611226EB0CE7}" type="datetimeFigureOut">
               <a:rPr lang="it-IT" smtClean="0"/>
-              <a:t>14/07/2025</a:t>
+              <a:t>15/07/2025</a:t>
             </a:fld>
             <a:endParaRPr lang="it-IT"/>
           </a:p>
@@ -1123,7 +1123,7 @@
           <a:p>
             <a:fld id="{38B57E2E-EEDB-4DFF-9027-611226EB0CE7}" type="datetimeFigureOut">
               <a:rPr lang="it-IT" smtClean="0"/>
-              <a:t>14/07/2025</a:t>
+              <a:t>15/07/2025</a:t>
             </a:fld>
             <a:endParaRPr lang="it-IT"/>
           </a:p>
@@ -1321,7 +1321,7 @@
           <a:p>
             <a:fld id="{38B57E2E-EEDB-4DFF-9027-611226EB0CE7}" type="datetimeFigureOut">
               <a:rPr lang="it-IT" smtClean="0"/>
-              <a:t>14/07/2025</a:t>
+              <a:t>15/07/2025</a:t>
             </a:fld>
             <a:endParaRPr lang="it-IT"/>
           </a:p>
@@ -1596,7 +1596,7 @@
           <a:p>
             <a:fld id="{38B57E2E-EEDB-4DFF-9027-611226EB0CE7}" type="datetimeFigureOut">
               <a:rPr lang="it-IT" smtClean="0"/>
-              <a:t>14/07/2025</a:t>
+              <a:t>15/07/2025</a:t>
             </a:fld>
             <a:endParaRPr lang="it-IT"/>
           </a:p>
@@ -1861,7 +1861,7 @@
           <a:p>
             <a:fld id="{38B57E2E-EEDB-4DFF-9027-611226EB0CE7}" type="datetimeFigureOut">
               <a:rPr lang="it-IT" smtClean="0"/>
-              <a:t>14/07/2025</a:t>
+              <a:t>15/07/2025</a:t>
             </a:fld>
             <a:endParaRPr lang="it-IT"/>
           </a:p>
@@ -2273,7 +2273,7 @@
           <a:p>
             <a:fld id="{38B57E2E-EEDB-4DFF-9027-611226EB0CE7}" type="datetimeFigureOut">
               <a:rPr lang="it-IT" smtClean="0"/>
-              <a:t>14/07/2025</a:t>
+              <a:t>15/07/2025</a:t>
             </a:fld>
             <a:endParaRPr lang="it-IT"/>
           </a:p>
@@ -2414,7 +2414,7 @@
           <a:p>
             <a:fld id="{38B57E2E-EEDB-4DFF-9027-611226EB0CE7}" type="datetimeFigureOut">
               <a:rPr lang="it-IT" smtClean="0"/>
-              <a:t>14/07/2025</a:t>
+              <a:t>15/07/2025</a:t>
             </a:fld>
             <a:endParaRPr lang="it-IT"/>
           </a:p>
@@ -2527,7 +2527,7 @@
           <a:p>
             <a:fld id="{38B57E2E-EEDB-4DFF-9027-611226EB0CE7}" type="datetimeFigureOut">
               <a:rPr lang="it-IT" smtClean="0"/>
-              <a:t>14/07/2025</a:t>
+              <a:t>15/07/2025</a:t>
             </a:fld>
             <a:endParaRPr lang="it-IT"/>
           </a:p>
@@ -2838,7 +2838,7 @@
           <a:p>
             <a:fld id="{38B57E2E-EEDB-4DFF-9027-611226EB0CE7}" type="datetimeFigureOut">
               <a:rPr lang="it-IT" smtClean="0"/>
-              <a:t>14/07/2025</a:t>
+              <a:t>15/07/2025</a:t>
             </a:fld>
             <a:endParaRPr lang="it-IT"/>
           </a:p>
@@ -3126,7 +3126,7 @@
           <a:p>
             <a:fld id="{38B57E2E-EEDB-4DFF-9027-611226EB0CE7}" type="datetimeFigureOut">
               <a:rPr lang="it-IT" smtClean="0"/>
-              <a:t>14/07/2025</a:t>
+              <a:t>15/07/2025</a:t>
             </a:fld>
             <a:endParaRPr lang="it-IT"/>
           </a:p>
@@ -3367,7 +3367,7 @@
           <a:p>
             <a:fld id="{38B57E2E-EEDB-4DFF-9027-611226EB0CE7}" type="datetimeFigureOut">
               <a:rPr lang="it-IT" smtClean="0"/>
-              <a:t>14/07/2025</a:t>
+              <a:t>15/07/2025</a:t>
             </a:fld>
             <a:endParaRPr lang="it-IT"/>
           </a:p>
@@ -5329,7 +5329,15 @@
             </a:pPr>
             <a:r>
               <a:rPr lang="it-IT" sz="2400" dirty="0"/>
-              <a:t>Impostare quale porta </a:t>
+              <a:t>i</a:t>
+            </a:r>
+            <a:r>
+              <a:rPr lang="it-IT" sz="2400"/>
+              <a:t>mpostare </a:t>
+            </a:r>
+            <a:r>
+              <a:rPr lang="it-IT" sz="2400" dirty="0"/>
+              <a:t>quale porta </a:t>
             </a:r>
             <a:r>
               <a:rPr lang="it-IT" sz="2400" dirty="0" err="1"/>
@@ -5341,7 +5349,7 @@
             </a:r>
             <a:r>
               <a:rPr lang="it-IT" sz="2400" dirty="0" err="1"/>
-              <a:t>dst</a:t>
+              <a:t>src</a:t>
             </a:r>
             <a:r>
               <a:rPr lang="it-IT" sz="2400" dirty="0"/>
@@ -5395,10 +5403,10 @@
       </p:sp>
       <p:pic>
         <p:nvPicPr>
-          <p:cNvPr id="16" name="Immagine 15">
-            <a:extLst>
-              <a:ext uri="{FF2B5EF4-FFF2-40B4-BE49-F238E27FC236}">
-                <a16:creationId xmlns:a16="http://schemas.microsoft.com/office/drawing/2014/main" id="{DAB806CB-B812-1366-55D9-4C1C4D52B54F}"/>
+          <p:cNvPr id="5" name="Immagine 4" descr="Immagine che contiene testo, schermata, design, Carattere&#10;&#10;Il contenuto generato dall'IA potrebbe non essere corretto.">
+            <a:extLst>
+              <a:ext uri="{FF2B5EF4-FFF2-40B4-BE49-F238E27FC236}">
+                <a16:creationId xmlns:a16="http://schemas.microsoft.com/office/drawing/2014/main" id="{9B262C71-1C5E-E5A3-A6D6-E123318C3A4F}"/>
               </a:ext>
             </a:extLst>
           </p:cNvPr>
@@ -5408,52 +5416,21 @@
           <p:nvPr/>
         </p:nvPicPr>
         <p:blipFill>
-          <a:blip r:embed="rId2"/>
+          <a:blip r:embed="rId2">
+            <a:extLst>
+              <a:ext uri="{28A0092B-C50C-407E-A947-70E740481C1C}">
+                <a14:useLocalDpi xmlns:a14="http://schemas.microsoft.com/office/drawing/2010/main" val="0"/>
+              </a:ext>
+            </a:extLst>
+          </a:blip>
           <a:stretch>
             <a:fillRect/>
           </a:stretch>
         </p:blipFill>
         <p:spPr>
           <a:xfrm>
-            <a:off x="149318" y="1022615"/>
-            <a:ext cx="7018960" cy="5608320"/>
-          </a:xfrm>
-          <a:prstGeom prst="rect">
-            <a:avLst/>
-          </a:prstGeom>
-        </p:spPr>
-      </p:pic>
-      <p:pic>
-        <p:nvPicPr>
-          <p:cNvPr id="4" name="Immagine 3">
-            <a:extLst>
-              <a:ext uri="{FF2B5EF4-FFF2-40B4-BE49-F238E27FC236}">
-                <a16:creationId xmlns:a16="http://schemas.microsoft.com/office/drawing/2014/main" id="{C4A02E0F-5793-F3DE-F467-A5172980DAE4}"/>
-              </a:ext>
-            </a:extLst>
-          </p:cNvPr>
-          <p:cNvPicPr>
-            <a:picLocks noChangeAspect="1"/>
-          </p:cNvPicPr>
-          <p:nvPr/>
-        </p:nvPicPr>
-        <p:blipFill>
-          <a:blip r:embed="rId3">
-            <a:extLst>
-              <a:ext uri="{28A0092B-C50C-407E-A947-70E740481C1C}">
-                <a14:useLocalDpi xmlns:a14="http://schemas.microsoft.com/office/drawing/2010/main" val="0"/>
-              </a:ext>
-            </a:extLst>
-          </a:blip>
-          <a:srcRect l="18863" r="19708"/>
-          <a:stretch>
-            <a:fillRect/>
-          </a:stretch>
-        </p:blipFill>
-        <p:spPr>
-          <a:xfrm>
-            <a:off x="149318" y="1022615"/>
-            <a:ext cx="7018960" cy="5521060"/>
+            <a:off x="261600" y="963540"/>
+            <a:ext cx="6818188" cy="4744065"/>
           </a:xfrm>
           <a:prstGeom prst="rect">
             <a:avLst/>
@@ -5766,7 +5743,7 @@
           <a:p>
             <a:r>
               <a:rPr lang="it-IT" dirty="0"/>
-              <a:t>Dei grafici a torta mostrano, nell’arco di tempo degli ultimi 10 sec, le seguenti informazioni:</a:t>
+              <a:t>Dei grafici a torta che mostrano, nelle ultime 10 scansioni, le seguenti informazioni:</a:t>
             </a:r>
           </a:p>
           <a:p>
@@ -6784,7 +6761,7 @@
             </a:r>
             <a:r>
               <a:rPr lang="it-IT" dirty="0"/>
-              <a:t>, oppure di aver analizzato un pacchetto con la porta destinazione o l’indirizzo IP destinazione scelti per il monitoraggio. Le notifiche ricevute vengono inserite all’interno di un file di log in formato .csv. Viene anche salvato l’inizio e la fine dell’anomalia rilevata.</a:t>
+              <a:t>, oppure di aver analizzato un pacchetto con la porta destinazione o l’indirizzo IP sorgente scelti per il monitoraggio. Le notifiche ricevute vengono inserite all’interno di un file di log in formato .csv. Viene anche salvato l’inizio e la fine dell’anomalia rilevata.</a:t>
             </a:r>
           </a:p>
         </p:txBody>
@@ -8293,7 +8270,7 @@
         </p:blipFill>
         <p:spPr>
           <a:xfrm>
-            <a:off x="211649" y="114719"/>
+            <a:off x="211649" y="85223"/>
             <a:ext cx="7478243" cy="6492875"/>
           </a:xfrm>
           <a:prstGeom prst="rect">
@@ -8679,7 +8656,7 @@
           <a:p>
             <a:r>
               <a:rPr lang="it-IT" sz="1600" dirty="0"/>
-              <a:t>Instradamento dei pacchetti </a:t>
+              <a:t>Inviare dei pacchetti (frames) </a:t>
             </a:r>
           </a:p>
         </p:txBody>
@@ -8749,7 +8726,7 @@
           <a:p>
             <a:r>
               <a:rPr lang="it-IT" sz="1600" dirty="0"/>
-              <a:t>Consente il monitoraggio della rete tramite un software </a:t>
+              <a:t>Consentire il monitoraggio della rete tramite un software </a:t>
             </a:r>
           </a:p>
           <a:p>

--- a/Doc/PROGETTO DI TIROCINIO.pptx
+++ b/Doc/PROGETTO DI TIROCINIO.pptx
@@ -219,7 +219,7 @@
           <a:p>
             <a:fld id="{D2682749-B794-4902-87D9-2890590CBE67}" type="datetimeFigureOut">
               <a:rPr lang="it-IT" smtClean="0"/>
-              <a:t>15/07/2025</a:t>
+              <a:t>03/08/2025</a:t>
             </a:fld>
             <a:endParaRPr lang="it-IT"/>
           </a:p>
@@ -717,7 +717,7 @@
           <a:p>
             <a:fld id="{38B57E2E-EEDB-4DFF-9027-611226EB0CE7}" type="datetimeFigureOut">
               <a:rPr lang="it-IT" smtClean="0"/>
-              <a:t>15/07/2025</a:t>
+              <a:t>03/08/2025</a:t>
             </a:fld>
             <a:endParaRPr lang="it-IT"/>
           </a:p>
@@ -915,7 +915,7 @@
           <a:p>
             <a:fld id="{38B57E2E-EEDB-4DFF-9027-611226EB0CE7}" type="datetimeFigureOut">
               <a:rPr lang="it-IT" smtClean="0"/>
-              <a:t>15/07/2025</a:t>
+              <a:t>03/08/2025</a:t>
             </a:fld>
             <a:endParaRPr lang="it-IT"/>
           </a:p>
@@ -1123,7 +1123,7 @@
           <a:p>
             <a:fld id="{38B57E2E-EEDB-4DFF-9027-611226EB0CE7}" type="datetimeFigureOut">
               <a:rPr lang="it-IT" smtClean="0"/>
-              <a:t>15/07/2025</a:t>
+              <a:t>03/08/2025</a:t>
             </a:fld>
             <a:endParaRPr lang="it-IT"/>
           </a:p>
@@ -1321,7 +1321,7 @@
           <a:p>
             <a:fld id="{38B57E2E-EEDB-4DFF-9027-611226EB0CE7}" type="datetimeFigureOut">
               <a:rPr lang="it-IT" smtClean="0"/>
-              <a:t>15/07/2025</a:t>
+              <a:t>03/08/2025</a:t>
             </a:fld>
             <a:endParaRPr lang="it-IT"/>
           </a:p>
@@ -1596,7 +1596,7 @@
           <a:p>
             <a:fld id="{38B57E2E-EEDB-4DFF-9027-611226EB0CE7}" type="datetimeFigureOut">
               <a:rPr lang="it-IT" smtClean="0"/>
-              <a:t>15/07/2025</a:t>
+              <a:t>03/08/2025</a:t>
             </a:fld>
             <a:endParaRPr lang="it-IT"/>
           </a:p>
@@ -1861,7 +1861,7 @@
           <a:p>
             <a:fld id="{38B57E2E-EEDB-4DFF-9027-611226EB0CE7}" type="datetimeFigureOut">
               <a:rPr lang="it-IT" smtClean="0"/>
-              <a:t>15/07/2025</a:t>
+              <a:t>03/08/2025</a:t>
             </a:fld>
             <a:endParaRPr lang="it-IT"/>
           </a:p>
@@ -2273,7 +2273,7 @@
           <a:p>
             <a:fld id="{38B57E2E-EEDB-4DFF-9027-611226EB0CE7}" type="datetimeFigureOut">
               <a:rPr lang="it-IT" smtClean="0"/>
-              <a:t>15/07/2025</a:t>
+              <a:t>03/08/2025</a:t>
             </a:fld>
             <a:endParaRPr lang="it-IT"/>
           </a:p>
@@ -2414,7 +2414,7 @@
           <a:p>
             <a:fld id="{38B57E2E-EEDB-4DFF-9027-611226EB0CE7}" type="datetimeFigureOut">
               <a:rPr lang="it-IT" smtClean="0"/>
-              <a:t>15/07/2025</a:t>
+              <a:t>03/08/2025</a:t>
             </a:fld>
             <a:endParaRPr lang="it-IT"/>
           </a:p>
@@ -2527,7 +2527,7 @@
           <a:p>
             <a:fld id="{38B57E2E-EEDB-4DFF-9027-611226EB0CE7}" type="datetimeFigureOut">
               <a:rPr lang="it-IT" smtClean="0"/>
-              <a:t>15/07/2025</a:t>
+              <a:t>03/08/2025</a:t>
             </a:fld>
             <a:endParaRPr lang="it-IT"/>
           </a:p>
@@ -2838,7 +2838,7 @@
           <a:p>
             <a:fld id="{38B57E2E-EEDB-4DFF-9027-611226EB0CE7}" type="datetimeFigureOut">
               <a:rPr lang="it-IT" smtClean="0"/>
-              <a:t>15/07/2025</a:t>
+              <a:t>03/08/2025</a:t>
             </a:fld>
             <a:endParaRPr lang="it-IT"/>
           </a:p>
@@ -3126,7 +3126,7 @@
           <a:p>
             <a:fld id="{38B57E2E-EEDB-4DFF-9027-611226EB0CE7}" type="datetimeFigureOut">
               <a:rPr lang="it-IT" smtClean="0"/>
-              <a:t>15/07/2025</a:t>
+              <a:t>03/08/2025</a:t>
             </a:fld>
             <a:endParaRPr lang="it-IT"/>
           </a:p>
@@ -3367,7 +3367,7 @@
           <a:p>
             <a:fld id="{38B57E2E-EEDB-4DFF-9027-611226EB0CE7}" type="datetimeFigureOut">
               <a:rPr lang="it-IT" smtClean="0"/>
-              <a:t>15/07/2025</a:t>
+              <a:t>03/08/2025</a:t>
             </a:fld>
             <a:endParaRPr lang="it-IT"/>
           </a:p>
@@ -5096,8 +5096,8 @@
         </p:nvSpPr>
         <p:spPr>
           <a:xfrm>
-            <a:off x="-193040" y="2360645"/>
-            <a:ext cx="12385040" cy="2323322"/>
+            <a:off x="0" y="2360645"/>
+            <a:ext cx="12192000" cy="2323322"/>
           </a:xfrm>
           <a:prstGeom prst="rect">
             <a:avLst/>
@@ -5403,10 +5403,10 @@
       </p:sp>
       <p:pic>
         <p:nvPicPr>
-          <p:cNvPr id="5" name="Immagine 4" descr="Immagine che contiene testo, schermata, design, Carattere&#10;&#10;Il contenuto generato dall'IA potrebbe non essere corretto.">
-            <a:extLst>
-              <a:ext uri="{FF2B5EF4-FFF2-40B4-BE49-F238E27FC236}">
-                <a16:creationId xmlns:a16="http://schemas.microsoft.com/office/drawing/2014/main" id="{9B262C71-1C5E-E5A3-A6D6-E123318C3A4F}"/>
+          <p:cNvPr id="4" name="Immagine 3" descr="Immagine che contiene testo, schermata, design, Carattere&#10;&#10;Il contenuto generato dall'IA potrebbe non essere corretto.">
+            <a:extLst>
+              <a:ext uri="{FF2B5EF4-FFF2-40B4-BE49-F238E27FC236}">
+                <a16:creationId xmlns:a16="http://schemas.microsoft.com/office/drawing/2014/main" id="{73A33EB7-240A-7599-9249-FDB3BCD50F55}"/>
               </a:ext>
             </a:extLst>
           </p:cNvPr>
@@ -5429,8 +5429,8 @@
         </p:blipFill>
         <p:spPr>
           <a:xfrm>
-            <a:off x="261600" y="963540"/>
-            <a:ext cx="6818188" cy="4744065"/>
+            <a:off x="157925" y="992182"/>
+            <a:ext cx="7010353" cy="4572876"/>
           </a:xfrm>
           <a:prstGeom prst="rect">
             <a:avLst/>
@@ -6292,10 +6292,10 @@
       </p:cxnSp>
       <p:pic>
         <p:nvPicPr>
-          <p:cNvPr id="3" name="Immagine 2">
-            <a:extLst>
-              <a:ext uri="{FF2B5EF4-FFF2-40B4-BE49-F238E27FC236}">
-                <a16:creationId xmlns:a16="http://schemas.microsoft.com/office/drawing/2014/main" id="{41950733-2BA6-F6D0-8B17-8B1595E003BE}"/>
+          <p:cNvPr id="4" name="Immagine 3" descr="Immagine che contiene testo, Diagramma, linea, schermata&#10;&#10;Il contenuto generato dall'IA potrebbe non essere corretto.">
+            <a:extLst>
+              <a:ext uri="{FF2B5EF4-FFF2-40B4-BE49-F238E27FC236}">
+                <a16:creationId xmlns:a16="http://schemas.microsoft.com/office/drawing/2014/main" id="{EEC98D27-22BA-B069-DD3F-9720412113D1}"/>
               </a:ext>
             </a:extLst>
           </p:cNvPr>
@@ -6318,8 +6318,8 @@
         </p:blipFill>
         <p:spPr>
           <a:xfrm>
-            <a:off x="408992" y="1781874"/>
-            <a:ext cx="6782327" cy="3041823"/>
+            <a:off x="271342" y="1469158"/>
+            <a:ext cx="7349804" cy="3484420"/>
           </a:xfrm>
           <a:prstGeom prst="rect">
             <a:avLst/>
@@ -7006,7 +7006,7 @@
             </a:r>
             <a:r>
               <a:rPr lang="it-IT" sz="2400" dirty="0"/>
-              <a:t>Il progetto consiste nella realizzazione di un’unica rete VLAN costituita da: tre schede Arduino, una scheda </a:t>
+              <a:t>Il progetto consiste nella realizzazione di un’unica rete LAN costituita da: tre schede Arduino, una scheda </a:t>
             </a:r>
             <a:r>
               <a:rPr lang="it-IT" sz="2400" dirty="0" err="1"/>
@@ -7014,7 +7014,7 @@
             </a:r>
             <a:r>
               <a:rPr lang="it-IT" sz="2400" dirty="0"/>
-              <a:t> pi 3 b, uno switch Ethernet e un calcolatore su cui far girare uno sniffer di pacchetti (ad es. un portatile). Le schede Arduino trasmetteranno dati ‘puliti’ (trasmissione di pacchetti ‘normali’) mentre la scheda </a:t>
+              <a:t> pi 3B, uno switch Ethernet e un calcolatore su cui far girare uno sniffer di pacchetti (ad es. un portatile). Le schede Arduino trasmetteranno dati ‘puliti’ (trasmissione di pacchetti ‘normali’) mentre la scheda </a:t>
             </a:r>
             <a:r>
               <a:rPr lang="it-IT" sz="2400" dirty="0" err="1"/>
@@ -7904,7 +7904,7 @@
           <a:p>
             <a:r>
               <a:rPr lang="it-IT" dirty="0"/>
-              <a:t>Si può adoperare il programma per monitorare altre reti oltre a una semplice rete VLAN (es. Wi-Fi).</a:t>
+              <a:t>Si può adoperare il programma per monitorare altre reti oltre a una semplice rete LAN (es. Wi-Fi).</a:t>
             </a:r>
           </a:p>
           <a:p>
@@ -8030,7 +8030,7 @@
           <a:p>
             <a:r>
               <a:rPr lang="it-IT" dirty="0"/>
-              <a:t>Monitorare una piccola rete VLAN e rilevare la presenza di potenziali attacchi dannosi alla rete. Tra i quali:	</a:t>
+              <a:t>Monitorare una piccola rete LAN e rilevare la presenza di potenziali attacchi dannosi alla rete. Tra i quali:	</a:t>
             </a:r>
           </a:p>
           <a:p>
@@ -8586,7 +8586,7 @@
             </a:r>
             <a:r>
               <a:rPr lang="it-IT" sz="1600" dirty="0"/>
-              <a:t> pi 3 b</a:t>
+              <a:t> pi 3B</a:t>
             </a:r>
           </a:p>
         </p:txBody>
@@ -8781,8 +8781,8 @@
         </p:nvSpPr>
         <p:spPr>
           <a:xfrm>
-            <a:off x="-802640" y="2360645"/>
-            <a:ext cx="12994640" cy="2323322"/>
+            <a:off x="0" y="2360645"/>
+            <a:ext cx="12192000" cy="2323322"/>
           </a:xfrm>
           <a:prstGeom prst="rect">
             <a:avLst/>
